--- a/titanic_intro_python.pptx
+++ b/titanic_intro_python.pptx
@@ -5,7 +5,7 @@
     <p:sldMasterId id="2147483648" r:id="rId1"/>
   </p:sldMasterIdLst>
   <p:notesMasterIdLst>
-    <p:notesMasterId r:id="rId16"/>
+    <p:notesMasterId r:id="rId20"/>
   </p:notesMasterIdLst>
   <p:sldIdLst>
     <p:sldId id="256" r:id="rId2"/>
@@ -22,6 +22,10 @@
     <p:sldId id="267" r:id="rId13"/>
     <p:sldId id="268" r:id="rId14"/>
     <p:sldId id="269" r:id="rId15"/>
+    <p:sldId id="270" r:id="rId16"/>
+    <p:sldId id="271" r:id="rId17"/>
+    <p:sldId id="272" r:id="rId18"/>
+    <p:sldId id="273" r:id="rId19"/>
   </p:sldIdLst>
   <p:sldSz cx="13004800" cy="9753600"/>
   <p:notesSz cx="6858000" cy="9144000"/>
@@ -586,6 +590,609 @@
 </p:notes>
 </file>
 
+<file path=ppt/notesSlides/notesSlide10.xml><?xml version="1.0" encoding="utf-8"?>
+<p:notes xmlns:a="http://schemas.openxmlformats.org/drawingml/2006/main" xmlns:r="http://schemas.openxmlformats.org/officeDocument/2006/relationships" xmlns:p="http://schemas.openxmlformats.org/presentationml/2006/main">
+  <p:cSld>
+    <p:spTree>
+      <p:nvGrpSpPr>
+        <p:cNvPr id="1" name=""/>
+        <p:cNvGrpSpPr/>
+        <p:nvPr/>
+      </p:nvGrpSpPr>
+      <p:grpSpPr>
+        <a:xfrm>
+          <a:off x="0" y="0"/>
+          <a:ext cx="0" cy="0"/>
+          <a:chOff x="0" y="0"/>
+          <a:chExt cx="0" cy="0"/>
+        </a:xfrm>
+      </p:grpSpPr>
+      <p:sp>
+        <p:nvSpPr>
+          <p:cNvPr id="225" name="Shape 225"/>
+          <p:cNvSpPr>
+            <a:spLocks noGrp="1" noRot="1" noChangeAspect="1"/>
+          </p:cNvSpPr>
+          <p:nvPr>
+            <p:ph type="sldImg"/>
+          </p:nvPr>
+        </p:nvSpPr>
+        <p:spPr>
+          <a:prstGeom prst="rect">
+            <a:avLst/>
+          </a:prstGeom>
+        </p:spPr>
+        <p:txBody>
+          <a:bodyPr/>
+          <a:lstStyle/>
+          <a:p>
+            <a:endParaRPr/>
+          </a:p>
+        </p:txBody>
+      </p:sp>
+      <p:sp>
+        <p:nvSpPr>
+          <p:cNvPr id="226" name="Shape 226"/>
+          <p:cNvSpPr>
+            <a:spLocks noGrp="1"/>
+          </p:cNvSpPr>
+          <p:nvPr>
+            <p:ph type="body" sz="quarter" idx="1"/>
+          </p:nvPr>
+        </p:nvSpPr>
+        <p:spPr>
+          <a:prstGeom prst="rect">
+            <a:avLst/>
+          </a:prstGeom>
+        </p:spPr>
+        <p:txBody>
+          <a:bodyPr/>
+          <a:lstStyle/>
+          <a:p>
+            <a:pPr>
+              <a:defRPr sz="2400"/>
+            </a:pPr>
+            <a:r>
+              <a:t>Pandas is a fundamental high-level building block (library) for doing practical, real world data analysis in Python.</a:t>
+            </a:r>
+          </a:p>
+          <a:p>
+            <a:pPr>
+              <a:defRPr sz="2400"/>
+            </a:pPr>
+            <a:r>
+              <a:t>Its two primary components are the Series and DataFrame. A Series is essentially a column, and a DataFrame is a multi-dimensional table made up of a collection of Series. To create a new dataframe, you can use the format on the left. To reference a specific column, you can use the notation on the right, by giving the label as an index input.</a:t>
+            </a:r>
+          </a:p>
+        </p:txBody>
+      </p:sp>
+    </p:spTree>
+  </p:cSld>
+  <p:clrMapOvr>
+    <a:masterClrMapping/>
+  </p:clrMapOvr>
+</p:notes>
+</file>
+
+<file path=ppt/notesSlides/notesSlide11.xml><?xml version="1.0" encoding="utf-8"?>
+<p:notes xmlns:a="http://schemas.openxmlformats.org/drawingml/2006/main" xmlns:r="http://schemas.openxmlformats.org/officeDocument/2006/relationships" xmlns:p="http://schemas.openxmlformats.org/presentationml/2006/main">
+  <p:cSld>
+    <p:spTree>
+      <p:nvGrpSpPr>
+        <p:cNvPr id="1" name=""/>
+        <p:cNvGrpSpPr/>
+        <p:nvPr/>
+      </p:nvGrpSpPr>
+      <p:grpSpPr>
+        <a:xfrm>
+          <a:off x="0" y="0"/>
+          <a:ext cx="0" cy="0"/>
+          <a:chOff x="0" y="0"/>
+          <a:chExt cx="0" cy="0"/>
+        </a:xfrm>
+      </p:grpSpPr>
+      <p:sp>
+        <p:nvSpPr>
+          <p:cNvPr id="233" name="Shape 233"/>
+          <p:cNvSpPr>
+            <a:spLocks noGrp="1" noRot="1" noChangeAspect="1"/>
+          </p:cNvSpPr>
+          <p:nvPr>
+            <p:ph type="sldImg"/>
+          </p:nvPr>
+        </p:nvSpPr>
+        <p:spPr>
+          <a:prstGeom prst="rect">
+            <a:avLst/>
+          </a:prstGeom>
+        </p:spPr>
+        <p:txBody>
+          <a:bodyPr/>
+          <a:lstStyle/>
+          <a:p>
+            <a:endParaRPr/>
+          </a:p>
+        </p:txBody>
+      </p:sp>
+      <p:sp>
+        <p:nvSpPr>
+          <p:cNvPr id="234" name="Shape 234"/>
+          <p:cNvSpPr>
+            <a:spLocks noGrp="1"/>
+          </p:cNvSpPr>
+          <p:nvPr>
+            <p:ph type="body" sz="quarter" idx="1"/>
+          </p:nvPr>
+        </p:nvSpPr>
+        <p:spPr>
+          <a:prstGeom prst="rect">
+            <a:avLst/>
+          </a:prstGeom>
+        </p:spPr>
+        <p:txBody>
+          <a:bodyPr/>
+          <a:lstStyle/>
+          <a:p>
+            <a:r>
+              <a:t>Anaconda Is a very popular data science framework, which allows different Python libraries to co-operate smoothly. Spyder is a Development Environment, which is user friendly and can be used to test, run and correct your programs!</a:t>
+            </a:r>
+          </a:p>
+        </p:txBody>
+      </p:sp>
+    </p:spTree>
+  </p:cSld>
+  <p:clrMapOvr>
+    <a:masterClrMapping/>
+  </p:clrMapOvr>
+</p:notes>
+</file>
+
+<file path=ppt/notesSlides/notesSlide12.xml><?xml version="1.0" encoding="utf-8"?>
+<p:notes xmlns:a="http://schemas.openxmlformats.org/drawingml/2006/main" xmlns:r="http://schemas.openxmlformats.org/officeDocument/2006/relationships" xmlns:p="http://schemas.openxmlformats.org/presentationml/2006/main">
+  <p:cSld>
+    <p:spTree>
+      <p:nvGrpSpPr>
+        <p:cNvPr id="1" name=""/>
+        <p:cNvGrpSpPr/>
+        <p:nvPr/>
+      </p:nvGrpSpPr>
+      <p:grpSpPr>
+        <a:xfrm>
+          <a:off x="0" y="0"/>
+          <a:ext cx="0" cy="0"/>
+          <a:chOff x="0" y="0"/>
+          <a:chExt cx="0" cy="0"/>
+        </a:xfrm>
+      </p:grpSpPr>
+      <p:sp>
+        <p:nvSpPr>
+          <p:cNvPr id="237" name="Shape 237"/>
+          <p:cNvSpPr>
+            <a:spLocks noGrp="1" noRot="1" noChangeAspect="1"/>
+          </p:cNvSpPr>
+          <p:nvPr>
+            <p:ph type="sldImg"/>
+          </p:nvPr>
+        </p:nvSpPr>
+        <p:spPr>
+          <a:prstGeom prst="rect">
+            <a:avLst/>
+          </a:prstGeom>
+        </p:spPr>
+        <p:txBody>
+          <a:bodyPr/>
+          <a:lstStyle/>
+          <a:p>
+            <a:endParaRPr/>
+          </a:p>
+        </p:txBody>
+      </p:sp>
+      <p:sp>
+        <p:nvSpPr>
+          <p:cNvPr id="238" name="Shape 238"/>
+          <p:cNvSpPr>
+            <a:spLocks noGrp="1"/>
+          </p:cNvSpPr>
+          <p:nvPr>
+            <p:ph type="body" sz="quarter" idx="1"/>
+          </p:nvPr>
+        </p:nvSpPr>
+        <p:spPr>
+          <a:prstGeom prst="rect">
+            <a:avLst/>
+          </a:prstGeom>
+        </p:spPr>
+        <p:txBody>
+          <a:bodyPr/>
+          <a:lstStyle/>
+          <a:p>
+            <a:r>
+              <a:t>You will find Anaconda in your Start Menu (or Program Files). Just open the Navigator and through this, choose the Spyder option. </a:t>
+            </a:r>
+          </a:p>
+          <a:p>
+            <a:endParaRPr/>
+          </a:p>
+          <a:p>
+            <a:r>
+              <a:t>If anyone needs help, just let me know! </a:t>
+            </a:r>
+          </a:p>
+        </p:txBody>
+      </p:sp>
+    </p:spTree>
+  </p:cSld>
+  <p:clrMapOvr>
+    <a:masterClrMapping/>
+  </p:clrMapOvr>
+</p:notes>
+</file>
+
+<file path=ppt/notesSlides/notesSlide13.xml><?xml version="1.0" encoding="utf-8"?>
+<p:notes xmlns:a="http://schemas.openxmlformats.org/drawingml/2006/main" xmlns:r="http://schemas.openxmlformats.org/officeDocument/2006/relationships" xmlns:p="http://schemas.openxmlformats.org/presentationml/2006/main">
+  <p:cSld>
+    <p:spTree>
+      <p:nvGrpSpPr>
+        <p:cNvPr id="1" name=""/>
+        <p:cNvGrpSpPr/>
+        <p:nvPr/>
+      </p:nvGrpSpPr>
+      <p:grpSpPr>
+        <a:xfrm>
+          <a:off x="0" y="0"/>
+          <a:ext cx="0" cy="0"/>
+          <a:chOff x="0" y="0"/>
+          <a:chExt cx="0" cy="0"/>
+        </a:xfrm>
+      </p:grpSpPr>
+      <p:sp>
+        <p:nvSpPr>
+          <p:cNvPr id="243" name="Shape 243"/>
+          <p:cNvSpPr>
+            <a:spLocks noGrp="1" noRot="1" noChangeAspect="1"/>
+          </p:cNvSpPr>
+          <p:nvPr>
+            <p:ph type="sldImg"/>
+          </p:nvPr>
+        </p:nvSpPr>
+        <p:spPr>
+          <a:prstGeom prst="rect">
+            <a:avLst/>
+          </a:prstGeom>
+        </p:spPr>
+        <p:txBody>
+          <a:bodyPr/>
+          <a:lstStyle/>
+          <a:p>
+            <a:endParaRPr/>
+          </a:p>
+        </p:txBody>
+      </p:sp>
+      <p:sp>
+        <p:nvSpPr>
+          <p:cNvPr id="244" name="Shape 244"/>
+          <p:cNvSpPr>
+            <a:spLocks noGrp="1"/>
+          </p:cNvSpPr>
+          <p:nvPr>
+            <p:ph type="body" sz="quarter" idx="1"/>
+          </p:nvPr>
+        </p:nvSpPr>
+        <p:spPr>
+          <a:prstGeom prst="rect">
+            <a:avLst/>
+          </a:prstGeom>
+        </p:spPr>
+        <p:txBody>
+          <a:bodyPr/>
+          <a:lstStyle/>
+          <a:p>
+            <a:r>
+              <a:t>Now if you want to know more details on the functions used, you can have a look at the libraries documentation. For example, you can see here, the marplot function from seaborn, its syntax and a detailed description.</a:t>
+            </a:r>
+          </a:p>
+        </p:txBody>
+      </p:sp>
+    </p:spTree>
+  </p:cSld>
+  <p:clrMapOvr>
+    <a:masterClrMapping/>
+  </p:clrMapOvr>
+</p:notes>
+</file>
+
+<file path=ppt/notesSlides/notesSlide14.xml><?xml version="1.0" encoding="utf-8"?>
+<p:notes xmlns:a="http://schemas.openxmlformats.org/drawingml/2006/main" xmlns:r="http://schemas.openxmlformats.org/officeDocument/2006/relationships" xmlns:p="http://schemas.openxmlformats.org/presentationml/2006/main">
+  <p:cSld>
+    <p:spTree>
+      <p:nvGrpSpPr>
+        <p:cNvPr id="1" name=""/>
+        <p:cNvGrpSpPr/>
+        <p:nvPr/>
+      </p:nvGrpSpPr>
+      <p:grpSpPr>
+        <a:xfrm>
+          <a:off x="0" y="0"/>
+          <a:ext cx="0" cy="0"/>
+          <a:chOff x="0" y="0"/>
+          <a:chExt cx="0" cy="0"/>
+        </a:xfrm>
+      </p:grpSpPr>
+      <p:sp>
+        <p:nvSpPr>
+          <p:cNvPr id="249" name="Shape 249"/>
+          <p:cNvSpPr>
+            <a:spLocks noGrp="1" noRot="1" noChangeAspect="1"/>
+          </p:cNvSpPr>
+          <p:nvPr>
+            <p:ph type="sldImg"/>
+          </p:nvPr>
+        </p:nvSpPr>
+        <p:spPr>
+          <a:prstGeom prst="rect">
+            <a:avLst/>
+          </a:prstGeom>
+        </p:spPr>
+        <p:txBody>
+          <a:bodyPr/>
+          <a:lstStyle/>
+          <a:p>
+            <a:endParaRPr/>
+          </a:p>
+        </p:txBody>
+      </p:sp>
+      <p:sp>
+        <p:nvSpPr>
+          <p:cNvPr id="250" name="Shape 250"/>
+          <p:cNvSpPr>
+            <a:spLocks noGrp="1"/>
+          </p:cNvSpPr>
+          <p:nvPr>
+            <p:ph type="body" sz="quarter" idx="1"/>
+          </p:nvPr>
+        </p:nvSpPr>
+        <p:spPr>
+          <a:prstGeom prst="rect">
+            <a:avLst/>
+          </a:prstGeom>
+        </p:spPr>
+        <p:txBody>
+          <a:bodyPr/>
+          <a:lstStyle/>
+          <a:p>
+            <a:r>
+              <a:t>A quick summary of today’s lesson!</a:t>
+            </a:r>
+          </a:p>
+        </p:txBody>
+      </p:sp>
+    </p:spTree>
+  </p:cSld>
+  <p:clrMapOvr>
+    <a:masterClrMapping/>
+  </p:clrMapOvr>
+</p:notes>
+</file>
+
+<file path=ppt/notesSlides/notesSlide15.xml><?xml version="1.0" encoding="utf-8"?>
+<p:notes xmlns:a="http://schemas.openxmlformats.org/drawingml/2006/main" xmlns:r="http://schemas.openxmlformats.org/officeDocument/2006/relationships" xmlns:p="http://schemas.openxmlformats.org/presentationml/2006/main">
+  <p:cSld>
+    <p:spTree>
+      <p:nvGrpSpPr>
+        <p:cNvPr id="1" name=""/>
+        <p:cNvGrpSpPr/>
+        <p:nvPr/>
+      </p:nvGrpSpPr>
+      <p:grpSpPr>
+        <a:xfrm>
+          <a:off x="0" y="0"/>
+          <a:ext cx="0" cy="0"/>
+          <a:chOff x="0" y="0"/>
+          <a:chExt cx="0" cy="0"/>
+        </a:xfrm>
+      </p:grpSpPr>
+      <p:sp>
+        <p:nvSpPr>
+          <p:cNvPr id="253" name="Shape 253"/>
+          <p:cNvSpPr>
+            <a:spLocks noGrp="1" noRot="1" noChangeAspect="1"/>
+          </p:cNvSpPr>
+          <p:nvPr>
+            <p:ph type="sldImg"/>
+          </p:nvPr>
+        </p:nvSpPr>
+        <p:spPr>
+          <a:prstGeom prst="rect">
+            <a:avLst/>
+          </a:prstGeom>
+        </p:spPr>
+        <p:txBody>
+          <a:bodyPr/>
+          <a:lstStyle/>
+          <a:p>
+            <a:endParaRPr/>
+          </a:p>
+        </p:txBody>
+      </p:sp>
+      <p:sp>
+        <p:nvSpPr>
+          <p:cNvPr id="254" name="Shape 254"/>
+          <p:cNvSpPr>
+            <a:spLocks noGrp="1"/>
+          </p:cNvSpPr>
+          <p:nvPr>
+            <p:ph type="body" sz="quarter" idx="1"/>
+          </p:nvPr>
+        </p:nvSpPr>
+        <p:spPr>
+          <a:prstGeom prst="rect">
+            <a:avLst/>
+          </a:prstGeom>
+        </p:spPr>
+        <p:txBody>
+          <a:bodyPr/>
+          <a:lstStyle/>
+          <a:p>
+            <a:r>
+              <a:t>and I will close with a positive photo, of two of the survivors of Titanic, Louis and Lola! I hope you enjoyed it.</a:t>
+            </a:r>
+          </a:p>
+        </p:txBody>
+      </p:sp>
+    </p:spTree>
+  </p:cSld>
+  <p:clrMapOvr>
+    <a:masterClrMapping/>
+  </p:clrMapOvr>
+</p:notes>
+</file>
+
+<file path=ppt/notesSlides/notesSlide16.xml><?xml version="1.0" encoding="utf-8"?>
+<p:notes xmlns:a="http://schemas.openxmlformats.org/drawingml/2006/main" xmlns:r="http://schemas.openxmlformats.org/officeDocument/2006/relationships" xmlns:p="http://schemas.openxmlformats.org/presentationml/2006/main">
+  <p:cSld>
+    <p:spTree>
+      <p:nvGrpSpPr>
+        <p:cNvPr id="1" name=""/>
+        <p:cNvGrpSpPr/>
+        <p:nvPr/>
+      </p:nvGrpSpPr>
+      <p:grpSpPr>
+        <a:xfrm>
+          <a:off x="0" y="0"/>
+          <a:ext cx="0" cy="0"/>
+          <a:chOff x="0" y="0"/>
+          <a:chExt cx="0" cy="0"/>
+        </a:xfrm>
+      </p:grpSpPr>
+      <p:sp>
+        <p:nvSpPr>
+          <p:cNvPr id="258" name="Shape 258"/>
+          <p:cNvSpPr>
+            <a:spLocks noGrp="1" noRot="1" noChangeAspect="1"/>
+          </p:cNvSpPr>
+          <p:nvPr>
+            <p:ph type="sldImg"/>
+          </p:nvPr>
+        </p:nvSpPr>
+        <p:spPr>
+          <a:prstGeom prst="rect">
+            <a:avLst/>
+          </a:prstGeom>
+        </p:spPr>
+        <p:txBody>
+          <a:bodyPr/>
+          <a:lstStyle/>
+          <a:p>
+            <a:endParaRPr/>
+          </a:p>
+        </p:txBody>
+      </p:sp>
+      <p:sp>
+        <p:nvSpPr>
+          <p:cNvPr id="259" name="Shape 259"/>
+          <p:cNvSpPr>
+            <a:spLocks noGrp="1"/>
+          </p:cNvSpPr>
+          <p:nvPr>
+            <p:ph type="body" sz="quarter" idx="1"/>
+          </p:nvPr>
+        </p:nvSpPr>
+        <p:spPr>
+          <a:prstGeom prst="rect">
+            <a:avLst/>
+          </a:prstGeom>
+        </p:spPr>
+        <p:txBody>
+          <a:bodyPr/>
+          <a:lstStyle/>
+          <a:p>
+            <a:r>
+              <a:t>If you have any questions, feel free to email me. All the source code, the solutions and the presentation from today can also be found on my GitHub page.</a:t>
+            </a:r>
+          </a:p>
+        </p:txBody>
+      </p:sp>
+    </p:spTree>
+  </p:cSld>
+  <p:clrMapOvr>
+    <a:masterClrMapping/>
+  </p:clrMapOvr>
+</p:notes>
+</file>
+
+<file path=ppt/notesSlides/notesSlide17.xml><?xml version="1.0" encoding="utf-8"?>
+<p:notes xmlns:a="http://schemas.openxmlformats.org/drawingml/2006/main" xmlns:r="http://schemas.openxmlformats.org/officeDocument/2006/relationships" xmlns:p="http://schemas.openxmlformats.org/presentationml/2006/main">
+  <p:cSld>
+    <p:spTree>
+      <p:nvGrpSpPr>
+        <p:cNvPr id="1" name=""/>
+        <p:cNvGrpSpPr/>
+        <p:nvPr/>
+      </p:nvGrpSpPr>
+      <p:grpSpPr>
+        <a:xfrm>
+          <a:off x="0" y="0"/>
+          <a:ext cx="0" cy="0"/>
+          <a:chOff x="0" y="0"/>
+          <a:chExt cx="0" cy="0"/>
+        </a:xfrm>
+      </p:grpSpPr>
+      <p:sp>
+        <p:nvSpPr>
+          <p:cNvPr id="262" name="Shape 262"/>
+          <p:cNvSpPr>
+            <a:spLocks noGrp="1" noRot="1" noChangeAspect="1"/>
+          </p:cNvSpPr>
+          <p:nvPr>
+            <p:ph type="sldImg"/>
+          </p:nvPr>
+        </p:nvSpPr>
+        <p:spPr>
+          <a:prstGeom prst="rect">
+            <a:avLst/>
+          </a:prstGeom>
+        </p:spPr>
+        <p:txBody>
+          <a:bodyPr/>
+          <a:lstStyle/>
+          <a:p>
+            <a:endParaRPr/>
+          </a:p>
+        </p:txBody>
+      </p:sp>
+      <p:sp>
+        <p:nvSpPr>
+          <p:cNvPr id="263" name="Shape 263"/>
+          <p:cNvSpPr>
+            <a:spLocks noGrp="1"/>
+          </p:cNvSpPr>
+          <p:nvPr>
+            <p:ph type="body" sz="quarter" idx="1"/>
+          </p:nvPr>
+        </p:nvSpPr>
+        <p:spPr>
+          <a:prstGeom prst="rect">
+            <a:avLst/>
+          </a:prstGeom>
+        </p:spPr>
+        <p:txBody>
+          <a:bodyPr/>
+          <a:lstStyle/>
+          <a:p>
+            <a:r>
+              <a:t>Thank you for your time :) </a:t>
+            </a:r>
+          </a:p>
+        </p:txBody>
+      </p:sp>
+    </p:spTree>
+  </p:cSld>
+  <p:clrMapOvr>
+    <a:masterClrMapping/>
+  </p:clrMapOvr>
+</p:notes>
+</file>
+
 <file path=ppt/notesSlides/notesSlide2.xml><?xml version="1.0" encoding="utf-8"?>
 <p:notes xmlns:a="http://schemas.openxmlformats.org/drawingml/2006/main" xmlns:r="http://schemas.openxmlformats.org/officeDocument/2006/relationships" xmlns:p="http://schemas.openxmlformats.org/presentationml/2006/main">
   <p:cSld>
@@ -727,7 +1334,7 @@
           </a:lstStyle>
           <a:p>
             <a:r>
-              <a:t>It’s 1912 and Titanic is leaving Southampton. Unfortunately, not everyone survived this trip. Today we are going to discover, by programming, what are the chances of passenger survival, depending on their travel seating.</a:t>
+              <a:t>It’s 1912 and Titanic is leaving Southampton. Unfortunately, as you know, not everyone survived this trip. Today we are going to discover, by programming, what are the chances of passenger survival, depending on their travel seating.</a:t>
             </a:r>
           </a:p>
         </p:txBody>
@@ -804,7 +1411,7 @@
           </a:lstStyle>
           <a:p>
             <a:r>
-              <a:t>Does anyone know what a computer program is? ///////// A computer program is a series of instructions, written in words, numbers and symbols, that performs a specific task when executed by a computer.</a:t>
+              <a:t>What do you think a computer program is? Would anyone like to tell me? ///////// A computer program is a series of instructions, written in words, numbers and symbols, that performs a specific task when executed by a computer.</a:t>
             </a:r>
           </a:p>
         </p:txBody>
@@ -913,7 +1520,7 @@
       </p:grpSpPr>
       <p:sp>
         <p:nvSpPr>
-          <p:cNvPr id="201" name="Shape 201"/>
+          <p:cNvPr id="190" name="Shape 190"/>
           <p:cNvSpPr>
             <a:spLocks noGrp="1" noRot="1" noChangeAspect="1"/>
           </p:cNvSpPr>
@@ -936,7 +1543,7 @@
       </p:sp>
       <p:sp>
         <p:nvSpPr>
-          <p:cNvPr id="202" name="Shape 202"/>
+          <p:cNvPr id="191" name="Shape 191"/>
           <p:cNvSpPr>
             <a:spLocks noGrp="1"/>
           </p:cNvSpPr>
@@ -954,7 +1561,7 @@
           <a:lstStyle/>
           <a:p>
             <a:r>
-              <a:t>Many big companies are using Python either to prototype or for production.</a:t>
+              <a:t>Python is a programming language, created by Guido Van Rossum in 1991, in an effort to create a simple, modern, readable language. Its usage skyrocketed the last 10 years, as computers become faster and because of its extreme user friendliness. In comparison, with a language like C++ the development time can be 3-4x times slower!</a:t>
             </a:r>
           </a:p>
         </p:txBody>
@@ -986,7 +1593,7 @@
       </p:grpSpPr>
       <p:sp>
         <p:nvSpPr>
-          <p:cNvPr id="213" name="Shape 213"/>
+          <p:cNvPr id="196" name="Shape 196"/>
           <p:cNvSpPr>
             <a:spLocks noGrp="1" noRot="1" noChangeAspect="1"/>
           </p:cNvSpPr>
@@ -1009,7 +1616,161 @@
       </p:sp>
       <p:sp>
         <p:nvSpPr>
-          <p:cNvPr id="214" name="Shape 214"/>
+          <p:cNvPr id="197" name="Shape 197"/>
+          <p:cNvSpPr>
+            <a:spLocks noGrp="1"/>
+          </p:cNvSpPr>
+          <p:nvPr>
+            <p:ph type="body" sz="quarter" idx="1"/>
+          </p:nvPr>
+        </p:nvSpPr>
+        <p:spPr>
+          <a:prstGeom prst="rect">
+            <a:avLst/>
+          </a:prstGeom>
+        </p:spPr>
+        <p:txBody>
+          <a:bodyPr/>
+          <a:lstStyle/>
+          <a:p>
+            <a:r>
+              <a:t>Python is found very frequently in Machine Learning and Computer Vision applications, typically dominated by other languages like C++. Especially for prototyping though, Python has the edge. It can also be used to create a webserver, host it and let it serve more complex websites, using different frameworks (that is collections of software functions).</a:t>
+            </a:r>
+          </a:p>
+          <a:p>
+            <a:endParaRPr/>
+          </a:p>
+          <a:p>
+            <a:r>
+              <a:t>Many commercial websites and servers are based on Python and in some places like Instagram, that is the main language used, including production. Data analysis is another very strong field.</a:t>
+            </a:r>
+          </a:p>
+        </p:txBody>
+      </p:sp>
+    </p:spTree>
+  </p:cSld>
+  <p:clrMapOvr>
+    <a:masterClrMapping/>
+  </p:clrMapOvr>
+</p:notes>
+</file>
+
+<file path=ppt/notesSlides/notesSlide8.xml><?xml version="1.0" encoding="utf-8"?>
+<p:notes xmlns:a="http://schemas.openxmlformats.org/drawingml/2006/main" xmlns:r="http://schemas.openxmlformats.org/officeDocument/2006/relationships" xmlns:p="http://schemas.openxmlformats.org/presentationml/2006/main">
+  <p:cSld>
+    <p:spTree>
+      <p:nvGrpSpPr>
+        <p:cNvPr id="1" name=""/>
+        <p:cNvGrpSpPr/>
+        <p:nvPr/>
+      </p:nvGrpSpPr>
+      <p:grpSpPr>
+        <a:xfrm>
+          <a:off x="0" y="0"/>
+          <a:ext cx="0" cy="0"/>
+          <a:chOff x="0" y="0"/>
+          <a:chExt cx="0" cy="0"/>
+        </a:xfrm>
+      </p:grpSpPr>
+      <p:sp>
+        <p:nvSpPr>
+          <p:cNvPr id="205" name="Shape 205"/>
+          <p:cNvSpPr>
+            <a:spLocks noGrp="1" noRot="1" noChangeAspect="1"/>
+          </p:cNvSpPr>
+          <p:nvPr>
+            <p:ph type="sldImg"/>
+          </p:nvPr>
+        </p:nvSpPr>
+        <p:spPr>
+          <a:prstGeom prst="rect">
+            <a:avLst/>
+          </a:prstGeom>
+        </p:spPr>
+        <p:txBody>
+          <a:bodyPr/>
+          <a:lstStyle/>
+          <a:p>
+            <a:endParaRPr/>
+          </a:p>
+        </p:txBody>
+      </p:sp>
+      <p:sp>
+        <p:nvSpPr>
+          <p:cNvPr id="206" name="Shape 206"/>
+          <p:cNvSpPr>
+            <a:spLocks noGrp="1"/>
+          </p:cNvSpPr>
+          <p:nvPr>
+            <p:ph type="body" sz="quarter" idx="1"/>
+          </p:nvPr>
+        </p:nvSpPr>
+        <p:spPr>
+          <a:prstGeom prst="rect">
+            <a:avLst/>
+          </a:prstGeom>
+        </p:spPr>
+        <p:txBody>
+          <a:bodyPr/>
+          <a:lstStyle/>
+          <a:p>
+            <a:r>
+              <a:t>Many big companies are using Python either to prototype or for production. Companies like….. and Netflix, is using Python to analyse the massive incoming data from people around the world / who stream their online movies, and take better business decisions, increase the performance of their systems, monitor for errors, etc.</a:t>
+            </a:r>
+          </a:p>
+        </p:txBody>
+      </p:sp>
+    </p:spTree>
+  </p:cSld>
+  <p:clrMapOvr>
+    <a:masterClrMapping/>
+  </p:clrMapOvr>
+</p:notes>
+</file>
+
+<file path=ppt/notesSlides/notesSlide9.xml><?xml version="1.0" encoding="utf-8"?>
+<p:notes xmlns:a="http://schemas.openxmlformats.org/drawingml/2006/main" xmlns:r="http://schemas.openxmlformats.org/officeDocument/2006/relationships" xmlns:p="http://schemas.openxmlformats.org/presentationml/2006/main">
+  <p:cSld>
+    <p:spTree>
+      <p:nvGrpSpPr>
+        <p:cNvPr id="1" name=""/>
+        <p:cNvGrpSpPr/>
+        <p:nvPr/>
+      </p:nvGrpSpPr>
+      <p:grpSpPr>
+        <a:xfrm>
+          <a:off x="0" y="0"/>
+          <a:ext cx="0" cy="0"/>
+          <a:chOff x="0" y="0"/>
+          <a:chExt cx="0" cy="0"/>
+        </a:xfrm>
+      </p:grpSpPr>
+      <p:sp>
+        <p:nvSpPr>
+          <p:cNvPr id="217" name="Shape 217"/>
+          <p:cNvSpPr>
+            <a:spLocks noGrp="1" noRot="1" noChangeAspect="1"/>
+          </p:cNvSpPr>
+          <p:nvPr>
+            <p:ph type="sldImg"/>
+          </p:nvPr>
+        </p:nvSpPr>
+        <p:spPr>
+          <a:prstGeom prst="rect">
+            <a:avLst/>
+          </a:prstGeom>
+        </p:spPr>
+        <p:txBody>
+          <a:bodyPr/>
+          <a:lstStyle/>
+          <a:p>
+            <a:endParaRPr/>
+          </a:p>
+        </p:txBody>
+      </p:sp>
+      <p:sp>
+        <p:nvSpPr>
+          <p:cNvPr id="218" name="Shape 218"/>
           <p:cNvSpPr>
             <a:spLocks noGrp="1"/>
           </p:cNvSpPr>
@@ -1026,12 +1787,12 @@
           <a:bodyPr/>
           <a:lstStyle>
             <a:lvl1pPr>
-              <a:defRPr sz="3700"/>
+              <a:defRPr sz="2100"/>
             </a:lvl1pPr>
           </a:lstStyle>
           <a:p>
             <a:r>
-              <a:t> FUNCTION is a block of organized, reusable code that is used to perform a single, related action. </a:t>
+              <a:t>Now let’s talk about the language basics. VARIABLES, are reserved memory locations that store values. Now, we can perform ARITHMETIC OPERATIONS in those values. Those are what you expect from mathematics, including addition, division, multiplication, subtraction. Those values can be referred (used) much later in the program. Now the variables can have different data types. BOOLEAN values are used to denote one of two values TRUE or FALSE. Like the 1/0 and the on/off of an electric switch. FUNCTION is a block of organized, reusable code that is used to perform a single, related action. </a:t>
             </a:r>
           </a:p>
         </p:txBody>
@@ -5304,8 +6065,10 @@
           </a:lstStyle>
           <a:p>
             <a:r>
-              <a:t>Would you survive?</a:t>
-            </a:r>
+              <a:rPr lang="en-GB" dirty="0"/>
+              <a:t>TITANIC</a:t>
+            </a:r>
+            <a:endParaRPr dirty="0"/>
           </a:p>
         </p:txBody>
       </p:sp>
@@ -5329,8 +6092,10 @@
           <a:lstStyle/>
           <a:p>
             <a:r>
-              <a:t>A python introduction using the titanic dataset</a:t>
-            </a:r>
+              <a:rPr lang="en-GB" dirty="0"/>
+              <a:t>VISUALISATION AND PYTHON INTRODUCTION</a:t>
+            </a:r>
+            <a:endParaRPr dirty="0"/>
           </a:p>
         </p:txBody>
       </p:sp>
@@ -5362,7 +6127,7 @@
       </p:grpSpPr>
       <p:sp>
         <p:nvSpPr>
-          <p:cNvPr id="216" name="Workflow"/>
+          <p:cNvPr id="220" name="THE BASICS"/>
           <p:cNvSpPr txBox="1">
             <a:spLocks noGrp="1"/>
           </p:cNvSpPr>
@@ -5380,14 +6145,14 @@
           <a:lstStyle/>
           <a:p>
             <a:r>
-              <a:t>Workflow</a:t>
-            </a:r>
-          </a:p>
-        </p:txBody>
-      </p:sp>
-      <p:sp>
-        <p:nvSpPr>
-          <p:cNvPr id="217" name="ANACONDA"/>
+              <a:t>THE BASICS</a:t>
+            </a:r>
+          </a:p>
+        </p:txBody>
+      </p:sp>
+      <p:sp>
+        <p:nvSpPr>
+          <p:cNvPr id="221" name="(VERY QUICK) INTRO TO PANDAS"/>
           <p:cNvSpPr txBox="1">
             <a:spLocks noGrp="1"/>
           </p:cNvSpPr>
@@ -5397,8 +6162,8 @@
         </p:nvSpPr>
         <p:spPr>
           <a:xfrm>
-            <a:off x="406399" y="1677743"/>
-            <a:ext cx="12192001" cy="723901"/>
+            <a:off x="406400" y="1536700"/>
+            <a:ext cx="5839398" cy="723900"/>
           </a:xfrm>
           <a:prstGeom prst="rect">
             <a:avLst/>
@@ -5407,31 +6172,57 @@
         <p:txBody>
           <a:bodyPr/>
           <a:lstStyle>
-            <a:lvl1pPr defTabSz="467359">
+            <a:lvl1pPr defTabSz="449833">
               <a:spcBef>
-                <a:spcPts val="2200"/>
+                <a:spcPts val="2100"/>
               </a:spcBef>
-              <a:defRPr sz="4800"/>
+              <a:defRPr sz="4619"/>
             </a:lvl1pPr>
           </a:lstStyle>
           <a:p>
             <a:r>
-              <a:rPr dirty="0"/>
-              <a:t>ANACONDA</a:t>
-            </a:r>
-          </a:p>
-        </p:txBody>
-      </p:sp>
-      <p:sp>
-        <p:nvSpPr>
-          <p:cNvPr id="218" name="The world’s most popular Python data science platform"/>
+              <a:t>(VERY QUICK) INTRO TO PANDAS</a:t>
+            </a:r>
+          </a:p>
+        </p:txBody>
+      </p:sp>
+      <p:pic>
+        <p:nvPicPr>
+          <p:cNvPr id="222" name="df.png" descr="df.png"/>
+          <p:cNvPicPr>
+            <a:picLocks noChangeAspect="1"/>
+          </p:cNvPicPr>
+          <p:nvPr/>
+        </p:nvPicPr>
+        <p:blipFill>
+          <a:blip r:embed="rId3"/>
+          <a:stretch>
+            <a:fillRect/>
+          </a:stretch>
+        </p:blipFill>
+        <p:spPr>
+          <a:xfrm>
+            <a:off x="2507853" y="3346846"/>
+            <a:ext cx="7989204" cy="3059866"/>
+          </a:xfrm>
+          <a:prstGeom prst="rect">
+            <a:avLst/>
+          </a:prstGeom>
+          <a:ln w="12700">
+            <a:miter lim="400000"/>
+          </a:ln>
+        </p:spPr>
+      </p:pic>
+      <p:sp>
+        <p:nvSpPr>
+          <p:cNvPr id="223" name="data = {…"/>
           <p:cNvSpPr txBox="1"/>
           <p:nvPr/>
         </p:nvSpPr>
         <p:spPr>
           <a:xfrm>
-            <a:off x="406399" y="3003316"/>
-            <a:ext cx="12215796" cy="855671"/>
+            <a:off x="2492267" y="7493000"/>
+            <a:ext cx="3539729" cy="1308101"/>
           </a:xfrm>
           <a:prstGeom prst="rect">
             <a:avLst/>
@@ -5446,39 +6237,275 @@
           </a:extLst>
         </p:spPr>
         <p:txBody>
-          <a:bodyPr lIns="50800" tIns="50800" rIns="50800" bIns="50800">
-            <a:normAutofit/>
+          <a:bodyPr wrap="none" lIns="50800" tIns="50800" rIns="50800" bIns="50800" anchor="ctr">
+            <a:spAutoFit/>
           </a:bodyPr>
-          <a:lstStyle>
-            <a:lvl1pPr>
+          <a:lstStyle/>
+          <a:p>
+            <a:pPr defTabSz="457200">
+              <a:lnSpc>
+                <a:spcPts val="3800"/>
+              </a:lnSpc>
               <a:spcBef>
-                <a:spcPts val="2800"/>
+                <a:spcPts val="0"/>
               </a:spcBef>
-              <a:buClr>
-                <a:schemeClr val="accent1"/>
-              </a:buClr>
-              <a:buFont typeface="Avenir Next"/>
-              <a:defRPr sz="3400"/>
-            </a:lvl1pPr>
-          </a:lstStyle>
-          <a:p>
-            <a:r>
-              <a:rPr dirty="0"/>
-              <a:t>The world’s most popular Python data science platform</a:t>
-            </a:r>
-          </a:p>
-        </p:txBody>
-      </p:sp>
-      <p:sp>
-        <p:nvSpPr>
-          <p:cNvPr id="219" name="Spyder"/>
+              <a:defRPr sz="1600">
+                <a:solidFill>
+                  <a:srgbClr val="111111"/>
+                </a:solidFill>
+                <a:latin typeface="Menlo"/>
+                <a:ea typeface="Menlo"/>
+                <a:cs typeface="Menlo"/>
+                <a:sym typeface="Menlo"/>
+              </a:defRPr>
+            </a:pPr>
+            <a:r>
+              <a:t>data = {</a:t>
+            </a:r>
+          </a:p>
+          <a:p>
+            <a:pPr defTabSz="457200">
+              <a:lnSpc>
+                <a:spcPts val="3800"/>
+              </a:lnSpc>
+              <a:spcBef>
+                <a:spcPts val="0"/>
+              </a:spcBef>
+              <a:defRPr sz="1600">
+                <a:solidFill>
+                  <a:srgbClr val="739200"/>
+                </a:solidFill>
+                <a:latin typeface="Menlo"/>
+                <a:ea typeface="Menlo"/>
+                <a:cs typeface="Menlo"/>
+                <a:sym typeface="Menlo"/>
+              </a:defRPr>
+            </a:pPr>
+            <a:r>
+              <a:rPr>
+                <a:solidFill>
+                  <a:srgbClr val="111111"/>
+                </a:solidFill>
+              </a:rPr>
+              <a:t>    </a:t>
+            </a:r>
+            <a:r>
+              <a:t>'apples'</a:t>
+            </a:r>
+            <a:r>
+              <a:rPr>
+                <a:solidFill>
+                  <a:srgbClr val="111111"/>
+                </a:solidFill>
+              </a:rPr>
+              <a:t>: [</a:t>
+            </a:r>
+            <a:r>
+              <a:rPr>
+                <a:solidFill>
+                  <a:srgbClr val="538192"/>
+                </a:solidFill>
+              </a:rPr>
+              <a:t>3</a:t>
+            </a:r>
+            <a:r>
+              <a:rPr>
+                <a:solidFill>
+                  <a:srgbClr val="111111"/>
+                </a:solidFill>
+              </a:rPr>
+              <a:t>, </a:t>
+            </a:r>
+            <a:r>
+              <a:rPr>
+                <a:solidFill>
+                  <a:srgbClr val="538192"/>
+                </a:solidFill>
+              </a:rPr>
+              <a:t>2</a:t>
+            </a:r>
+            <a:r>
+              <a:rPr>
+                <a:solidFill>
+                  <a:srgbClr val="111111"/>
+                </a:solidFill>
+              </a:rPr>
+              <a:t>, </a:t>
+            </a:r>
+            <a:r>
+              <a:rPr>
+                <a:solidFill>
+                  <a:srgbClr val="538192"/>
+                </a:solidFill>
+              </a:rPr>
+              <a:t>0</a:t>
+            </a:r>
+            <a:r>
+              <a:rPr>
+                <a:solidFill>
+                  <a:srgbClr val="111111"/>
+                </a:solidFill>
+              </a:rPr>
+              <a:t>, </a:t>
+            </a:r>
+            <a:r>
+              <a:rPr>
+                <a:solidFill>
+                  <a:srgbClr val="538192"/>
+                </a:solidFill>
+              </a:rPr>
+              <a:t>1</a:t>
+            </a:r>
+            <a:r>
+              <a:rPr>
+                <a:solidFill>
+                  <a:srgbClr val="111111"/>
+                </a:solidFill>
+              </a:rPr>
+              <a:t>], </a:t>
+            </a:r>
+          </a:p>
+          <a:p>
+            <a:pPr defTabSz="457200">
+              <a:lnSpc>
+                <a:spcPts val="3800"/>
+              </a:lnSpc>
+              <a:spcBef>
+                <a:spcPts val="0"/>
+              </a:spcBef>
+              <a:defRPr sz="1600">
+                <a:solidFill>
+                  <a:srgbClr val="739200"/>
+                </a:solidFill>
+                <a:latin typeface="Menlo"/>
+                <a:ea typeface="Menlo"/>
+                <a:cs typeface="Menlo"/>
+                <a:sym typeface="Menlo"/>
+              </a:defRPr>
+            </a:pPr>
+            <a:r>
+              <a:rPr>
+                <a:solidFill>
+                  <a:srgbClr val="111111"/>
+                </a:solidFill>
+              </a:rPr>
+              <a:t>    </a:t>
+            </a:r>
+            <a:r>
+              <a:t>'oranges'</a:t>
+            </a:r>
+            <a:r>
+              <a:rPr>
+                <a:solidFill>
+                  <a:srgbClr val="111111"/>
+                </a:solidFill>
+              </a:rPr>
+              <a:t>: [</a:t>
+            </a:r>
+            <a:r>
+              <a:rPr>
+                <a:solidFill>
+                  <a:srgbClr val="538192"/>
+                </a:solidFill>
+              </a:rPr>
+              <a:t>0</a:t>
+            </a:r>
+            <a:r>
+              <a:rPr>
+                <a:solidFill>
+                  <a:srgbClr val="111111"/>
+                </a:solidFill>
+              </a:rPr>
+              <a:t>, </a:t>
+            </a:r>
+            <a:r>
+              <a:rPr>
+                <a:solidFill>
+                  <a:srgbClr val="538192"/>
+                </a:solidFill>
+              </a:rPr>
+              <a:t>3</a:t>
+            </a:r>
+            <a:r>
+              <a:rPr>
+                <a:solidFill>
+                  <a:srgbClr val="111111"/>
+                </a:solidFill>
+              </a:rPr>
+              <a:t>, </a:t>
+            </a:r>
+            <a:r>
+              <a:rPr>
+                <a:solidFill>
+                  <a:srgbClr val="538192"/>
+                </a:solidFill>
+              </a:rPr>
+              <a:t>7</a:t>
+            </a:r>
+            <a:r>
+              <a:rPr>
+                <a:solidFill>
+                  <a:srgbClr val="111111"/>
+                </a:solidFill>
+              </a:rPr>
+              <a:t>, </a:t>
+            </a:r>
+            <a:r>
+              <a:rPr>
+                <a:solidFill>
+                  <a:srgbClr val="538192"/>
+                </a:solidFill>
+              </a:rPr>
+              <a:t>2</a:t>
+            </a:r>
+            <a:r>
+              <a:rPr>
+                <a:solidFill>
+                  <a:srgbClr val="111111"/>
+                </a:solidFill>
+              </a:rPr>
+              <a:t>]</a:t>
+            </a:r>
+          </a:p>
+          <a:p>
+            <a:pPr defTabSz="457200">
+              <a:lnSpc>
+                <a:spcPts val="3800"/>
+              </a:lnSpc>
+              <a:spcBef>
+                <a:spcPts val="0"/>
+              </a:spcBef>
+              <a:defRPr sz="1600">
+                <a:solidFill>
+                  <a:srgbClr val="111111"/>
+                </a:solidFill>
+                <a:latin typeface="Menlo"/>
+                <a:ea typeface="Menlo"/>
+                <a:cs typeface="Menlo"/>
+                <a:sym typeface="Menlo"/>
+              </a:defRPr>
+            </a:pPr>
+            <a:r>
+              <a:t>}</a:t>
+            </a:r>
+            <a:endParaRPr>
+              <a:solidFill>
+                <a:srgbClr val="333333"/>
+              </a:solidFill>
+            </a:endParaRPr>
+          </a:p>
+        </p:txBody>
+      </p:sp>
+      <p:sp>
+        <p:nvSpPr>
+          <p:cNvPr id="224" name="shopping = pd.DataFrame(data)…"/>
           <p:cNvSpPr txBox="1"/>
           <p:nvPr/>
         </p:nvSpPr>
         <p:spPr>
           <a:xfrm>
-            <a:off x="406400" y="5316332"/>
-            <a:ext cx="12192001" cy="723901"/>
+            <a:off x="7545475" y="7492999"/>
+            <a:ext cx="3662065" cy="584201"/>
           </a:xfrm>
           <a:prstGeom prst="rect">
             <a:avLst/>
@@ -5493,77 +6520,63 @@
           </a:extLst>
         </p:spPr>
         <p:txBody>
-          <a:bodyPr lIns="50800" tIns="50800" rIns="50800" bIns="50800">
-            <a:normAutofit/>
+          <a:bodyPr wrap="none" lIns="50800" tIns="50800" rIns="50800" bIns="50800" anchor="ctr">
+            <a:spAutoFit/>
           </a:bodyPr>
-          <a:lstStyle>
-            <a:lvl1pPr defTabSz="467359">
+          <a:lstStyle/>
+          <a:p>
+            <a:pPr defTabSz="457200">
               <a:lnSpc>
-                <a:spcPct val="80000"/>
+                <a:spcPts val="3800"/>
               </a:lnSpc>
               <a:spcBef>
-                <a:spcPts val="2200"/>
+                <a:spcPts val="0"/>
               </a:spcBef>
-              <a:defRPr sz="4800" cap="all">
+              <a:defRPr sz="1600">
                 <a:solidFill>
-                  <a:schemeClr val="accent1"/>
+                  <a:srgbClr val="111111"/>
                 </a:solidFill>
-                <a:latin typeface="+mn-lt"/>
-                <a:ea typeface="+mn-ea"/>
-                <a:cs typeface="+mn-cs"/>
-                <a:sym typeface="DIN Condensed"/>
+                <a:latin typeface="Menlo"/>
+                <a:ea typeface="Menlo"/>
+                <a:cs typeface="Menlo"/>
+                <a:sym typeface="Menlo"/>
               </a:defRPr>
-            </a:lvl1pPr>
-          </a:lstStyle>
-          <a:p>
-            <a:r>
-              <a:t>Spyder</a:t>
-            </a:r>
-          </a:p>
-        </p:txBody>
-      </p:sp>
-      <p:sp>
-        <p:nvSpPr>
-          <p:cNvPr id="220" name="Scientific Python Development Environment"/>
-          <p:cNvSpPr txBox="1"/>
-          <p:nvPr/>
-        </p:nvSpPr>
-        <p:spPr>
-          <a:xfrm>
-            <a:off x="406399" y="6641906"/>
-            <a:ext cx="12215796" cy="855672"/>
-          </a:xfrm>
-          <a:prstGeom prst="rect">
-            <a:avLst/>
-          </a:prstGeom>
-          <a:ln w="12700">
-            <a:miter lim="400000"/>
-          </a:ln>
-          <a:extLst>
-            <a:ext uri="{C572A759-6A51-4108-AA02-DFA0A04FC94B}">
-              <ma14:wrappingTextBoxFlag xmlns:ma14="http://schemas.microsoft.com/office/mac/drawingml/2011/main" xmlns:a14="http://schemas.microsoft.com/office/drawing/2010/main" xmlns:m="http://schemas.openxmlformats.org/officeDocument/2006/math" xmlns="" val="1"/>
-            </a:ext>
-          </a:extLst>
-        </p:spPr>
-        <p:txBody>
-          <a:bodyPr lIns="50800" tIns="50800" rIns="50800" bIns="50800">
-            <a:normAutofit/>
-          </a:bodyPr>
-          <a:lstStyle>
-            <a:lvl1pPr>
+            </a:pPr>
+            <a:r>
+              <a:t>shopping = pd.DataFrame(data)</a:t>
+            </a:r>
+          </a:p>
+          <a:p>
+            <a:pPr defTabSz="457200">
+              <a:lnSpc>
+                <a:spcPts val="3800"/>
+              </a:lnSpc>
               <a:spcBef>
-                <a:spcPts val="2800"/>
+                <a:spcPts val="0"/>
               </a:spcBef>
-              <a:buClr>
-                <a:schemeClr val="accent1"/>
-              </a:buClr>
-              <a:buFont typeface="Avenir Next"/>
-              <a:defRPr sz="3400"/>
-            </a:lvl1pPr>
-          </a:lstStyle>
-          <a:p>
-            <a:r>
-              <a:t>Scientific Python Development Environment</a:t>
+              <a:defRPr sz="1600">
+                <a:solidFill>
+                  <a:srgbClr val="111111"/>
+                </a:solidFill>
+                <a:latin typeface="Menlo"/>
+                <a:ea typeface="Menlo"/>
+                <a:cs typeface="Menlo"/>
+                <a:sym typeface="Menlo"/>
+              </a:defRPr>
+            </a:pPr>
+            <a:r>
+              <a:t>shopping.[</a:t>
+            </a:r>
+            <a:r>
+              <a:rPr>
+                <a:solidFill>
+                  <a:srgbClr val="739200"/>
+                </a:solidFill>
+              </a:rPr>
+              <a:t>‘apples’</a:t>
+            </a:r>
+            <a:r>
+              <a:t>]</a:t>
             </a:r>
           </a:p>
         </p:txBody>
@@ -5596,19 +6609,15 @@
       </p:grpSpPr>
       <p:sp>
         <p:nvSpPr>
-          <p:cNvPr id="222" name="Demo time!"/>
+          <p:cNvPr id="228" name="Workflow"/>
           <p:cNvSpPr txBox="1">
             <a:spLocks noGrp="1"/>
           </p:cNvSpPr>
           <p:nvPr>
-            <p:ph type="title"/>
-          </p:nvPr>
-        </p:nvSpPr>
-        <p:spPr>
-          <a:xfrm>
-            <a:off x="2370656" y="3622176"/>
-            <a:ext cx="8263488" cy="2509248"/>
-          </a:xfrm>
+            <p:ph type="body" idx="13"/>
+          </p:nvPr>
+        </p:nvSpPr>
+        <p:spPr>
           <a:prstGeom prst="rect">
             <a:avLst/>
           </a:prstGeom>
@@ -5618,7 +6627,190 @@
           <a:lstStyle/>
           <a:p>
             <a:r>
-              <a:t>Demo time!</a:t>
+              <a:t>Workflow</a:t>
+            </a:r>
+          </a:p>
+        </p:txBody>
+      </p:sp>
+      <p:sp>
+        <p:nvSpPr>
+          <p:cNvPr id="229" name="ANACONDA"/>
+          <p:cNvSpPr txBox="1">
+            <a:spLocks noGrp="1"/>
+          </p:cNvSpPr>
+          <p:nvPr>
+            <p:ph type="title"/>
+          </p:nvPr>
+        </p:nvSpPr>
+        <p:spPr>
+          <a:xfrm>
+            <a:off x="406400" y="1677743"/>
+            <a:ext cx="12192000" cy="723901"/>
+          </a:xfrm>
+          <a:prstGeom prst="rect">
+            <a:avLst/>
+          </a:prstGeom>
+        </p:spPr>
+        <p:txBody>
+          <a:bodyPr/>
+          <a:lstStyle>
+            <a:lvl1pPr defTabSz="467359">
+              <a:spcBef>
+                <a:spcPts val="2200"/>
+              </a:spcBef>
+              <a:defRPr sz="4800"/>
+            </a:lvl1pPr>
+          </a:lstStyle>
+          <a:p>
+            <a:r>
+              <a:t>ANACONDA</a:t>
+            </a:r>
+          </a:p>
+        </p:txBody>
+      </p:sp>
+      <p:sp>
+        <p:nvSpPr>
+          <p:cNvPr id="230" name="The world’s most popular Python data science platform"/>
+          <p:cNvSpPr txBox="1"/>
+          <p:nvPr/>
+        </p:nvSpPr>
+        <p:spPr>
+          <a:xfrm>
+            <a:off x="382604" y="3247601"/>
+            <a:ext cx="12215796" cy="855671"/>
+          </a:xfrm>
+          <a:prstGeom prst="rect">
+            <a:avLst/>
+          </a:prstGeom>
+          <a:ln w="12700">
+            <a:miter lim="400000"/>
+          </a:ln>
+          <a:extLst>
+            <a:ext uri="{C572A759-6A51-4108-AA02-DFA0A04FC94B}">
+              <ma14:wrappingTextBoxFlag xmlns:ma14="http://schemas.microsoft.com/office/mac/drawingml/2011/main" xmlns:a14="http://schemas.microsoft.com/office/drawing/2010/main" xmlns:m="http://schemas.openxmlformats.org/officeDocument/2006/math" xmlns="" val="1"/>
+            </a:ext>
+          </a:extLst>
+        </p:spPr>
+        <p:txBody>
+          <a:bodyPr lIns="50800" tIns="50800" rIns="50800" bIns="50800">
+            <a:normAutofit/>
+          </a:bodyPr>
+          <a:lstStyle>
+            <a:lvl1pPr>
+              <a:spcBef>
+                <a:spcPts val="2800"/>
+              </a:spcBef>
+              <a:buClr>
+                <a:schemeClr val="accent1"/>
+              </a:buClr>
+              <a:buFont typeface="Avenir Next"/>
+              <a:defRPr sz="3400"/>
+            </a:lvl1pPr>
+          </a:lstStyle>
+          <a:p>
+            <a:r>
+              <a:rPr dirty="0"/>
+              <a:t>The world’s most popular Python data science platform</a:t>
+            </a:r>
+          </a:p>
+        </p:txBody>
+      </p:sp>
+      <p:sp>
+        <p:nvSpPr>
+          <p:cNvPr id="231" name="Spyder"/>
+          <p:cNvSpPr txBox="1"/>
+          <p:nvPr/>
+        </p:nvSpPr>
+        <p:spPr>
+          <a:xfrm>
+            <a:off x="406400" y="5316332"/>
+            <a:ext cx="12192000" cy="723901"/>
+          </a:xfrm>
+          <a:prstGeom prst="rect">
+            <a:avLst/>
+          </a:prstGeom>
+          <a:ln w="12700">
+            <a:miter lim="400000"/>
+          </a:ln>
+          <a:extLst>
+            <a:ext uri="{C572A759-6A51-4108-AA02-DFA0A04FC94B}">
+              <ma14:wrappingTextBoxFlag xmlns:ma14="http://schemas.microsoft.com/office/mac/drawingml/2011/main" xmlns:a14="http://schemas.microsoft.com/office/drawing/2010/main" xmlns:m="http://schemas.openxmlformats.org/officeDocument/2006/math" xmlns="" val="1"/>
+            </a:ext>
+          </a:extLst>
+        </p:spPr>
+        <p:txBody>
+          <a:bodyPr lIns="50800" tIns="50800" rIns="50800" bIns="50800">
+            <a:normAutofit/>
+          </a:bodyPr>
+          <a:lstStyle>
+            <a:lvl1pPr defTabSz="467359">
+              <a:lnSpc>
+                <a:spcPct val="80000"/>
+              </a:lnSpc>
+              <a:spcBef>
+                <a:spcPts val="2200"/>
+              </a:spcBef>
+              <a:defRPr sz="4800" cap="all">
+                <a:solidFill>
+                  <a:schemeClr val="accent1"/>
+                </a:solidFill>
+                <a:latin typeface="+mn-lt"/>
+                <a:ea typeface="+mn-ea"/>
+                <a:cs typeface="+mn-cs"/>
+                <a:sym typeface="DIN Condensed"/>
+              </a:defRPr>
+            </a:lvl1pPr>
+          </a:lstStyle>
+          <a:p>
+            <a:r>
+              <a:t>Spyder</a:t>
+            </a:r>
+          </a:p>
+        </p:txBody>
+      </p:sp>
+      <p:sp>
+        <p:nvSpPr>
+          <p:cNvPr id="232" name="Scientific Python Development Environment"/>
+          <p:cNvSpPr txBox="1"/>
+          <p:nvPr/>
+        </p:nvSpPr>
+        <p:spPr>
+          <a:xfrm>
+            <a:off x="382604" y="6676316"/>
+            <a:ext cx="12215796" cy="855672"/>
+          </a:xfrm>
+          <a:prstGeom prst="rect">
+            <a:avLst/>
+          </a:prstGeom>
+          <a:ln w="12700">
+            <a:miter lim="400000"/>
+          </a:ln>
+          <a:extLst>
+            <a:ext uri="{C572A759-6A51-4108-AA02-DFA0A04FC94B}">
+              <ma14:wrappingTextBoxFlag xmlns:ma14="http://schemas.microsoft.com/office/mac/drawingml/2011/main" xmlns:a14="http://schemas.microsoft.com/office/drawing/2010/main" xmlns:m="http://schemas.openxmlformats.org/officeDocument/2006/math" xmlns="" val="1"/>
+            </a:ext>
+          </a:extLst>
+        </p:spPr>
+        <p:txBody>
+          <a:bodyPr lIns="50800" tIns="50800" rIns="50800" bIns="50800">
+            <a:normAutofit/>
+          </a:bodyPr>
+          <a:lstStyle>
+            <a:lvl1pPr>
+              <a:spcBef>
+                <a:spcPts val="2800"/>
+              </a:spcBef>
+              <a:buClr>
+                <a:schemeClr val="accent1"/>
+              </a:buClr>
+              <a:buFont typeface="Avenir Next"/>
+              <a:defRPr sz="3400"/>
+            </a:lvl1pPr>
+          </a:lstStyle>
+          <a:p>
+            <a:r>
+              <a:rPr dirty="0"/>
+              <a:t>Scientific Python Development Environment</a:t>
             </a:r>
           </a:p>
         </p:txBody>
@@ -5651,7 +6843,7 @@
       </p:grpSpPr>
       <p:sp>
         <p:nvSpPr>
-          <p:cNvPr id="224" name="https://tiny.cc/lse-titanic"/>
+          <p:cNvPr id="236" name="Demo time!"/>
           <p:cNvSpPr txBox="1">
             <a:spLocks noGrp="1"/>
           </p:cNvSpPr>
@@ -5661,8 +6853,8 @@
         </p:nvSpPr>
         <p:spPr>
           <a:xfrm>
-            <a:off x="1925137" y="4308462"/>
-            <a:ext cx="9902101" cy="1207918"/>
+            <a:off x="2370656" y="3622176"/>
+            <a:ext cx="8263488" cy="2509249"/>
           </a:xfrm>
           <a:prstGeom prst="rect">
             <a:avLst/>
@@ -5670,31 +6862,10 @@
         </p:spPr>
         <p:txBody>
           <a:bodyPr/>
-          <a:lstStyle>
-            <a:lvl1pPr defTabSz="274574">
-              <a:defRPr sz="7990"/>
-            </a:lvl1pPr>
-          </a:lstStyle>
-          <a:p>
-            <a:r>
-              <a:rPr dirty="0"/>
-              <a:t>https://</a:t>
-            </a:r>
-            <a:r>
-              <a:rPr dirty="0" err="1"/>
-              <a:t>tiny.cc</a:t>
-            </a:r>
-            <a:r>
-              <a:rPr dirty="0"/>
-              <a:t>/</a:t>
-            </a:r>
-            <a:r>
-              <a:rPr dirty="0" err="1"/>
-              <a:t>lse</a:t>
-            </a:r>
-            <a:r>
-              <a:rPr dirty="0"/>
-              <a:t>-titanic</a:t>
+          <a:lstStyle/>
+          <a:p>
+            <a:r>
+              <a:t>Demo time!</a:t>
             </a:r>
           </a:p>
         </p:txBody>
@@ -5725,33 +6896,56 @@
           <a:chExt cx="0" cy="0"/>
         </a:xfrm>
       </p:grpSpPr>
-      <p:pic>
-        <p:nvPicPr>
-          <p:cNvPr id="226" name="survivors.jpg" descr="survivors.jpg"/>
-          <p:cNvPicPr>
-            <a:picLocks noGrp="1" noChangeAspect="1"/>
-          </p:cNvPicPr>
-          <p:nvPr>
-            <p:ph type="pic" idx="13"/>
-          </p:nvPr>
-        </p:nvPicPr>
-        <p:blipFill>
-          <a:blip r:embed="rId2"/>
-          <a:srcRect r="11111"/>
-          <a:stretch>
-            <a:fillRect/>
-          </a:stretch>
-        </p:blipFill>
+      <p:sp>
+        <p:nvSpPr>
+          <p:cNvPr id="240" name="https://tiny.cc/lse-titanic"/>
+          <p:cNvSpPr txBox="1">
+            <a:spLocks noGrp="1"/>
+          </p:cNvSpPr>
+          <p:nvPr>
+            <p:ph type="title"/>
+          </p:nvPr>
+        </p:nvSpPr>
         <p:spPr>
           <a:xfrm>
-            <a:off x="0" y="0"/>
-            <a:ext cx="13004800" cy="9753600"/>
+            <a:off x="1925137" y="4308462"/>
+            <a:ext cx="9872121" cy="1136676"/>
           </a:xfrm>
           <a:prstGeom prst="rect">
             <a:avLst/>
           </a:prstGeom>
         </p:spPr>
-      </p:pic>
+        <p:txBody>
+          <a:bodyPr/>
+          <a:lstStyle>
+            <a:lvl1pPr defTabSz="274574">
+              <a:defRPr sz="7990"/>
+            </a:lvl1pPr>
+          </a:lstStyle>
+          <a:p>
+            <a:r>
+              <a:rPr dirty="0"/>
+              <a:t>https://</a:t>
+            </a:r>
+            <a:r>
+              <a:rPr dirty="0" err="1"/>
+              <a:t>tiny.cc</a:t>
+            </a:r>
+            <a:r>
+              <a:rPr dirty="0"/>
+              <a:t>/</a:t>
+            </a:r>
+            <a:r>
+              <a:rPr dirty="0" err="1"/>
+              <a:t>lse</a:t>
+            </a:r>
+            <a:r>
+              <a:rPr dirty="0"/>
+              <a:t>-titanic</a:t>
+            </a:r>
+          </a:p>
+        </p:txBody>
+      </p:sp>
     </p:spTree>
   </p:cSld>
   <p:clrMapOvr>
@@ -5778,17 +6972,367 @@
           <a:chExt cx="0" cy="0"/>
         </a:xfrm>
       </p:grpSpPr>
-      <p:sp>
-        <p:nvSpPr>
-          <p:cNvPr id="228" name="Thank yoU!"/>
+      <p:pic>
+        <p:nvPicPr>
+          <p:cNvPr id="242" name="Screenshot 2019-11-25 at 22.59.41.png" descr="Screenshot 2019-11-25 at 22.59.41.png"/>
+          <p:cNvPicPr>
+            <a:picLocks noChangeAspect="1"/>
+          </p:cNvPicPr>
+          <p:nvPr/>
+        </p:nvPicPr>
+        <p:blipFill>
+          <a:blip r:embed="rId3"/>
+          <a:stretch>
+            <a:fillRect/>
+          </a:stretch>
+        </p:blipFill>
+        <p:spPr>
+          <a:xfrm>
+            <a:off x="298450" y="806450"/>
+            <a:ext cx="12407900" cy="8140700"/>
+          </a:xfrm>
+          <a:prstGeom prst="rect">
+            <a:avLst/>
+          </a:prstGeom>
+          <a:ln w="12700">
+            <a:miter lim="400000"/>
+          </a:ln>
+        </p:spPr>
+      </p:pic>
+    </p:spTree>
+  </p:cSld>
+  <p:clrMapOvr>
+    <a:masterClrMapping/>
+  </p:clrMapOvr>
+  <p:transition spd="med"/>
+</p:sld>
+</file>
+
+<file path=ppt/slides/slide15.xml><?xml version="1.0" encoding="utf-8"?>
+<p:sld xmlns:a="http://schemas.openxmlformats.org/drawingml/2006/main" xmlns:r="http://schemas.openxmlformats.org/officeDocument/2006/relationships" xmlns:p="http://schemas.openxmlformats.org/presentationml/2006/main">
+  <p:cSld>
+    <p:spTree>
+      <p:nvGrpSpPr>
+        <p:cNvPr id="1" name=""/>
+        <p:cNvGrpSpPr/>
+        <p:nvPr/>
+      </p:nvGrpSpPr>
+      <p:grpSpPr>
+        <a:xfrm>
+          <a:off x="0" y="0"/>
+          <a:ext cx="0" cy="0"/>
+          <a:chOff x="0" y="0"/>
+          <a:chExt cx="0" cy="0"/>
+        </a:xfrm>
+      </p:grpSpPr>
+      <p:sp>
+        <p:nvSpPr>
+          <p:cNvPr id="246" name="Text"/>
           <p:cNvSpPr txBox="1">
             <a:spLocks noGrp="1"/>
           </p:cNvSpPr>
           <p:nvPr>
+            <p:ph type="body" idx="13"/>
+          </p:nvPr>
+        </p:nvSpPr>
+        <p:spPr>
+          <a:prstGeom prst="rect">
+            <a:avLst/>
+          </a:prstGeom>
+        </p:spPr>
+        <p:txBody>
+          <a:bodyPr/>
+          <a:lstStyle/>
+          <a:p>
+            <a:endParaRPr/>
+          </a:p>
+        </p:txBody>
+      </p:sp>
+      <p:sp>
+        <p:nvSpPr>
+          <p:cNvPr id="247" name="SUMMARY"/>
+          <p:cNvSpPr txBox="1">
+            <a:spLocks noGrp="1"/>
+          </p:cNvSpPr>
+          <p:nvPr>
             <p:ph type="title"/>
           </p:nvPr>
         </p:nvSpPr>
         <p:spPr>
+          <a:prstGeom prst="rect">
+            <a:avLst/>
+          </a:prstGeom>
+        </p:spPr>
+        <p:txBody>
+          <a:bodyPr/>
+          <a:lstStyle>
+            <a:lvl1pPr defTabSz="467359">
+              <a:spcBef>
+                <a:spcPts val="2200"/>
+              </a:spcBef>
+              <a:defRPr sz="4800"/>
+            </a:lvl1pPr>
+          </a:lstStyle>
+          <a:p>
+            <a:r>
+              <a:t>SUMMARY</a:t>
+            </a:r>
+          </a:p>
+        </p:txBody>
+      </p:sp>
+      <p:sp>
+        <p:nvSpPr>
+          <p:cNvPr id="248" name="Python is a high-level interpreted language commonly used in many fields…"/>
+          <p:cNvSpPr txBox="1">
+            <a:spLocks noGrp="1"/>
+          </p:cNvSpPr>
+          <p:nvPr>
+            <p:ph type="body" idx="1"/>
+          </p:nvPr>
+        </p:nvSpPr>
+        <p:spPr>
+          <a:prstGeom prst="rect">
+            <a:avLst/>
+          </a:prstGeom>
+        </p:spPr>
+        <p:txBody>
+          <a:bodyPr/>
+          <a:lstStyle/>
+          <a:p>
+            <a:r>
+              <a:t>Python is a high-level interpreted language commonly used in many fields</a:t>
+            </a:r>
+          </a:p>
+          <a:p>
+            <a:r>
+              <a:t>Built-in data structures</a:t>
+            </a:r>
+          </a:p>
+          <a:p>
+            <a:r>
+              <a:t>Many libraries made for and working smoothly with Python</a:t>
+            </a:r>
+          </a:p>
+          <a:p>
+            <a:r>
+              <a:t>Libraries like seaborn and pandas can be used to extend its functionality for handling data and adding visualisation</a:t>
+            </a:r>
+          </a:p>
+        </p:txBody>
+      </p:sp>
+    </p:spTree>
+  </p:cSld>
+  <p:clrMapOvr>
+    <a:masterClrMapping/>
+  </p:clrMapOvr>
+  <p:transition spd="med"/>
+</p:sld>
+</file>
+
+<file path=ppt/slides/slide16.xml><?xml version="1.0" encoding="utf-8"?>
+<p:sld xmlns:a="http://schemas.openxmlformats.org/drawingml/2006/main" xmlns:r="http://schemas.openxmlformats.org/officeDocument/2006/relationships" xmlns:p="http://schemas.openxmlformats.org/presentationml/2006/main">
+  <p:cSld>
+    <p:spTree>
+      <p:nvGrpSpPr>
+        <p:cNvPr id="1" name=""/>
+        <p:cNvGrpSpPr/>
+        <p:nvPr/>
+      </p:nvGrpSpPr>
+      <p:grpSpPr>
+        <a:xfrm>
+          <a:off x="0" y="0"/>
+          <a:ext cx="0" cy="0"/>
+          <a:chOff x="0" y="0"/>
+          <a:chExt cx="0" cy="0"/>
+        </a:xfrm>
+      </p:grpSpPr>
+      <p:pic>
+        <p:nvPicPr>
+          <p:cNvPr id="252" name="survivors.jpg" descr="survivors.jpg"/>
+          <p:cNvPicPr>
+            <a:picLocks noGrp="1" noChangeAspect="1"/>
+          </p:cNvPicPr>
+          <p:nvPr>
+            <p:ph type="pic" idx="13"/>
+          </p:nvPr>
+        </p:nvPicPr>
+        <p:blipFill>
+          <a:blip r:embed="rId3"/>
+          <a:srcRect r="11111"/>
+          <a:stretch>
+            <a:fillRect/>
+          </a:stretch>
+        </p:blipFill>
+        <p:spPr>
+          <a:xfrm>
+            <a:off x="0" y="0"/>
+            <a:ext cx="13004800" cy="9753600"/>
+          </a:xfrm>
+          <a:prstGeom prst="rect">
+            <a:avLst/>
+          </a:prstGeom>
+        </p:spPr>
+      </p:pic>
+    </p:spTree>
+  </p:cSld>
+  <p:clrMapOvr>
+    <a:masterClrMapping/>
+  </p:clrMapOvr>
+  <p:transition spd="med"/>
+</p:sld>
+</file>
+
+<file path=ppt/slides/slide17.xml><?xml version="1.0" encoding="utf-8"?>
+<p:sld xmlns:a="http://schemas.openxmlformats.org/drawingml/2006/main" xmlns:r="http://schemas.openxmlformats.org/officeDocument/2006/relationships" xmlns:p="http://schemas.openxmlformats.org/presentationml/2006/main">
+  <p:cSld>
+    <p:spTree>
+      <p:nvGrpSpPr>
+        <p:cNvPr id="1" name=""/>
+        <p:cNvGrpSpPr/>
+        <p:nvPr/>
+      </p:nvGrpSpPr>
+      <p:grpSpPr>
+        <a:xfrm>
+          <a:off x="0" y="0"/>
+          <a:ext cx="0" cy="0"/>
+          <a:chOff x="0" y="0"/>
+          <a:chExt cx="0" cy="0"/>
+        </a:xfrm>
+      </p:grpSpPr>
+      <p:sp>
+        <p:nvSpPr>
+          <p:cNvPr id="256" name="Questions?…"/>
+          <p:cNvSpPr txBox="1">
+            <a:spLocks noGrp="1"/>
+          </p:cNvSpPr>
+          <p:nvPr>
+            <p:ph type="title"/>
+          </p:nvPr>
+        </p:nvSpPr>
+        <p:spPr>
+          <a:xfrm>
+            <a:off x="406400" y="2616200"/>
+            <a:ext cx="12192000" cy="4521200"/>
+          </a:xfrm>
+          <a:prstGeom prst="rect">
+            <a:avLst/>
+          </a:prstGeom>
+        </p:spPr>
+        <p:txBody>
+          <a:bodyPr/>
+          <a:lstStyle/>
+          <a:p>
+            <a:pPr defTabSz="566674">
+              <a:defRPr sz="16490"/>
+            </a:pPr>
+            <a:r>
+              <a:t>Questions?</a:t>
+            </a:r>
+          </a:p>
+          <a:p>
+            <a:pPr defTabSz="566674">
+              <a:defRPr sz="16490"/>
+            </a:pPr>
+            <a:r>
+              <a:t>code@wizofe.uk</a:t>
+            </a:r>
+          </a:p>
+        </p:txBody>
+      </p:sp>
+      <p:sp>
+        <p:nvSpPr>
+          <p:cNvPr id="257" name="https://github.com/wizofe/lse-titanic"/>
+          <p:cNvSpPr txBox="1"/>
+          <p:nvPr/>
+        </p:nvSpPr>
+        <p:spPr>
+          <a:xfrm>
+            <a:off x="417945" y="7897062"/>
+            <a:ext cx="12957276" cy="860670"/>
+          </a:xfrm>
+          <a:prstGeom prst="rect">
+            <a:avLst/>
+          </a:prstGeom>
+          <a:ln w="12700">
+            <a:miter lim="400000"/>
+          </a:ln>
+          <a:extLst>
+            <a:ext uri="{C572A759-6A51-4108-AA02-DFA0A04FC94B}">
+              <ma14:wrappingTextBoxFlag xmlns:ma14="http://schemas.microsoft.com/office/mac/drawingml/2011/main" xmlns:a14="http://schemas.microsoft.com/office/drawing/2010/main" xmlns:m="http://schemas.openxmlformats.org/officeDocument/2006/math" xmlns="" val="1"/>
+            </a:ext>
+          </a:extLst>
+        </p:spPr>
+        <p:txBody>
+          <a:bodyPr lIns="50800" tIns="50800" rIns="50800" bIns="50800">
+            <a:normAutofit/>
+          </a:bodyPr>
+          <a:lstStyle>
+            <a:lvl1pPr defTabSz="233679">
+              <a:lnSpc>
+                <a:spcPct val="80000"/>
+              </a:lnSpc>
+              <a:spcBef>
+                <a:spcPts val="0"/>
+              </a:spcBef>
+              <a:defRPr sz="6800" cap="all">
+                <a:solidFill>
+                  <a:schemeClr val="accent1"/>
+                </a:solidFill>
+                <a:latin typeface="+mn-lt"/>
+                <a:ea typeface="+mn-ea"/>
+                <a:cs typeface="+mn-cs"/>
+                <a:sym typeface="DIN Condensed"/>
+              </a:defRPr>
+            </a:lvl1pPr>
+          </a:lstStyle>
+          <a:p>
+            <a:r>
+              <a:t>https://github.com/wizofe/lse-titanic</a:t>
+            </a:r>
+          </a:p>
+        </p:txBody>
+      </p:sp>
+    </p:spTree>
+  </p:cSld>
+  <p:clrMapOvr>
+    <a:masterClrMapping/>
+  </p:clrMapOvr>
+  <p:transition spd="med"/>
+</p:sld>
+</file>
+
+<file path=ppt/slides/slide18.xml><?xml version="1.0" encoding="utf-8"?>
+<p:sld xmlns:a="http://schemas.openxmlformats.org/drawingml/2006/main" xmlns:r="http://schemas.openxmlformats.org/officeDocument/2006/relationships" xmlns:p="http://schemas.openxmlformats.org/presentationml/2006/main">
+  <p:cSld>
+    <p:spTree>
+      <p:nvGrpSpPr>
+        <p:cNvPr id="1" name=""/>
+        <p:cNvGrpSpPr/>
+        <p:nvPr/>
+      </p:nvGrpSpPr>
+      <p:grpSpPr>
+        <a:xfrm>
+          <a:off x="0" y="0"/>
+          <a:ext cx="0" cy="0"/>
+          <a:chOff x="0" y="0"/>
+          <a:chExt cx="0" cy="0"/>
+        </a:xfrm>
+      </p:grpSpPr>
+      <p:sp>
+        <p:nvSpPr>
+          <p:cNvPr id="261" name="Thank yoU!"/>
+          <p:cNvSpPr txBox="1">
+            <a:spLocks noGrp="1"/>
+          </p:cNvSpPr>
+          <p:nvPr>
+            <p:ph type="title"/>
+          </p:nvPr>
+        </p:nvSpPr>
+        <p:spPr>
+          <a:xfrm>
+            <a:off x="2367184" y="5000948"/>
+            <a:ext cx="8270432" cy="2596504"/>
+          </a:xfrm>
           <a:prstGeom prst="rect">
             <a:avLst/>
           </a:prstGeom>
@@ -5831,7 +7375,7 @@
       </p:grpSpPr>
       <p:sp>
         <p:nvSpPr>
-          <p:cNvPr id="171" name="Ioannis…"/>
+          <p:cNvPr id="171" name="Ioannis VALASAKIS…"/>
           <p:cNvSpPr txBox="1">
             <a:spLocks noGrp="1"/>
           </p:cNvSpPr>
@@ -5841,8 +7385,8 @@
         </p:nvSpPr>
         <p:spPr>
           <a:xfrm>
-            <a:off x="3507556" y="4737075"/>
-            <a:ext cx="5989688" cy="3124250"/>
+            <a:off x="3221695" y="4164330"/>
+            <a:ext cx="6561410" cy="4269740"/>
           </a:xfrm>
           <a:prstGeom prst="rect">
             <a:avLst/>
@@ -5856,11 +7400,23 @@
               <a:defRPr sz="8160"/>
             </a:pPr>
             <a:r>
-              <a:t>Ioannis</a:t>
-            </a:r>
-          </a:p>
-          <a:p>
-            <a:pPr defTabSz="280415">
+              <a:t>Ioannis VALASAKIS</a:t>
+            </a:r>
+          </a:p>
+          <a:p>
+            <a:pPr algn="ctr" defTabSz="280415">
+              <a:defRPr sz="8160">
+                <a:solidFill>
+                  <a:schemeClr val="accent5"/>
+                </a:solidFill>
+              </a:defRPr>
+            </a:pPr>
+            <a:r>
+              <a:t>King’s college London</a:t>
+            </a:r>
+          </a:p>
+          <a:p>
+            <a:pPr algn="ctr" defTabSz="280415">
               <a:defRPr sz="8160"/>
             </a:pPr>
             <a:r>
@@ -5875,6 +7431,211 @@
     <a:masterClrMapping/>
   </p:clrMapOvr>
   <p:transition spd="med"/>
+  <p:timing>
+    <p:tnLst>
+      <p:par>
+        <p:cTn id="1" dur="indefinite" restart="never" fill="hold" nodeType="tmRoot">
+          <p:childTnLst>
+            <p:seq concurrent="1" prevAc="none" nextAc="seek">
+              <p:cTn id="2" dur="indefinite" fill="hold" nodeType="mainSeq">
+                <p:childTnLst>
+                  <p:par>
+                    <p:cTn id="3" fill="hold">
+                      <p:stCondLst>
+                        <p:cond delay="indefinite"/>
+                      </p:stCondLst>
+                      <p:childTnLst>
+                        <p:par>
+                          <p:cTn id="4" fill="hold">
+                            <p:stCondLst>
+                              <p:cond delay="0"/>
+                            </p:stCondLst>
+                            <p:childTnLst>
+                              <p:par>
+                                <p:cTn id="5" presetID="1" presetClass="entr" presetSubtype="0" fill="hold" grpId="1" nodeType="clickEffect">
+                                  <p:stCondLst>
+                                    <p:cond delay="0"/>
+                                  </p:stCondLst>
+                                  <p:iterate>
+                                    <p:tmAbs val="0"/>
+                                  </p:iterate>
+                                  <p:childTnLst>
+                                    <p:set>
+                                      <p:cBhvr>
+                                        <p:cTn id="6" fill="hold"/>
+                                        <p:tgtEl>
+                                          <p:spTgt spid="171">
+                                            <p:bg/>
+                                          </p:spTgt>
+                                        </p:tgtEl>
+                                        <p:attrNameLst>
+                                          <p:attrName>style.visibility</p:attrName>
+                                        </p:attrNameLst>
+                                      </p:cBhvr>
+                                      <p:to>
+                                        <p:strVal val="visible"/>
+                                      </p:to>
+                                    </p:set>
+                                  </p:childTnLst>
+                                </p:cTn>
+                              </p:par>
+                              <p:par>
+                                <p:cTn id="7" presetID="1" presetClass="entr" presetSubtype="0" fill="hold" grpId="1" nodeType="withEffect">
+                                  <p:stCondLst>
+                                    <p:cond delay="0"/>
+                                  </p:stCondLst>
+                                  <p:iterate>
+                                    <p:tmAbs val="0"/>
+                                  </p:iterate>
+                                  <p:childTnLst>
+                                    <p:set>
+                                      <p:cBhvr>
+                                        <p:cTn id="8" fill="hold"/>
+                                        <p:tgtEl>
+                                          <p:spTgt spid="171">
+                                            <p:txEl>
+                                              <p:pRg st="0" end="0"/>
+                                            </p:txEl>
+                                          </p:spTgt>
+                                        </p:tgtEl>
+                                        <p:attrNameLst>
+                                          <p:attrName>style.visibility</p:attrName>
+                                        </p:attrNameLst>
+                                      </p:cBhvr>
+                                      <p:to>
+                                        <p:strVal val="visible"/>
+                                      </p:to>
+                                    </p:set>
+                                  </p:childTnLst>
+                                </p:cTn>
+                              </p:par>
+                            </p:childTnLst>
+                          </p:cTn>
+                        </p:par>
+                      </p:childTnLst>
+                    </p:cTn>
+                  </p:par>
+                  <p:par>
+                    <p:cTn id="9" fill="hold">
+                      <p:stCondLst>
+                        <p:cond delay="indefinite"/>
+                      </p:stCondLst>
+                      <p:childTnLst>
+                        <p:par>
+                          <p:cTn id="10" fill="hold">
+                            <p:stCondLst>
+                              <p:cond delay="0"/>
+                            </p:stCondLst>
+                            <p:childTnLst>
+                              <p:par>
+                                <p:cTn id="11" presetID="1" presetClass="entr" presetSubtype="0" fill="hold" grpId="1" nodeType="clickEffect">
+                                  <p:stCondLst>
+                                    <p:cond delay="0"/>
+                                  </p:stCondLst>
+                                  <p:iterate>
+                                    <p:tmAbs val="0"/>
+                                  </p:iterate>
+                                  <p:childTnLst>
+                                    <p:set>
+                                      <p:cBhvr>
+                                        <p:cTn id="12" fill="hold"/>
+                                        <p:tgtEl>
+                                          <p:spTgt spid="171">
+                                            <p:txEl>
+                                              <p:pRg st="1" end="1"/>
+                                            </p:txEl>
+                                          </p:spTgt>
+                                        </p:tgtEl>
+                                        <p:attrNameLst>
+                                          <p:attrName>style.visibility</p:attrName>
+                                        </p:attrNameLst>
+                                      </p:cBhvr>
+                                      <p:to>
+                                        <p:strVal val="visible"/>
+                                      </p:to>
+                                    </p:set>
+                                  </p:childTnLst>
+                                </p:cTn>
+                              </p:par>
+                            </p:childTnLst>
+                          </p:cTn>
+                        </p:par>
+                      </p:childTnLst>
+                    </p:cTn>
+                  </p:par>
+                  <p:par>
+                    <p:cTn id="13" fill="hold">
+                      <p:stCondLst>
+                        <p:cond delay="indefinite"/>
+                      </p:stCondLst>
+                      <p:childTnLst>
+                        <p:par>
+                          <p:cTn id="14" fill="hold">
+                            <p:stCondLst>
+                              <p:cond delay="0"/>
+                            </p:stCondLst>
+                            <p:childTnLst>
+                              <p:par>
+                                <p:cTn id="15" presetID="1" presetClass="entr" presetSubtype="0" fill="hold" grpId="1" nodeType="clickEffect">
+                                  <p:stCondLst>
+                                    <p:cond delay="0"/>
+                                  </p:stCondLst>
+                                  <p:iterate>
+                                    <p:tmAbs val="0"/>
+                                  </p:iterate>
+                                  <p:childTnLst>
+                                    <p:set>
+                                      <p:cBhvr>
+                                        <p:cTn id="16" fill="hold"/>
+                                        <p:tgtEl>
+                                          <p:spTgt spid="171">
+                                            <p:txEl>
+                                              <p:pRg st="2" end="2"/>
+                                            </p:txEl>
+                                          </p:spTgt>
+                                        </p:tgtEl>
+                                        <p:attrNameLst>
+                                          <p:attrName>style.visibility</p:attrName>
+                                        </p:attrNameLst>
+                                      </p:cBhvr>
+                                      <p:to>
+                                        <p:strVal val="visible"/>
+                                      </p:to>
+                                    </p:set>
+                                  </p:childTnLst>
+                                </p:cTn>
+                              </p:par>
+                            </p:childTnLst>
+                          </p:cTn>
+                        </p:par>
+                      </p:childTnLst>
+                    </p:cTn>
+                  </p:par>
+                </p:childTnLst>
+              </p:cTn>
+              <p:prevCondLst>
+                <p:cond evt="onPrev" delay="0">
+                  <p:tgtEl>
+                    <p:sldTgt/>
+                  </p:tgtEl>
+                </p:cond>
+              </p:prevCondLst>
+              <p:nextCondLst>
+                <p:cond evt="onNext" delay="0">
+                  <p:tgtEl>
+                    <p:sldTgt/>
+                  </p:tgtEl>
+                </p:cond>
+              </p:nextCondLst>
+            </p:seq>
+          </p:childTnLst>
+        </p:cTn>
+      </p:par>
+    </p:tnLst>
+    <p:bldLst>
+      <p:bldP spid="171" grpId="1" build="p" bldLvl="5" animBg="1" advAuto="0"/>
+    </p:bldLst>
+  </p:timing>
 </p:sld>
 </file>
 
@@ -6192,7 +7953,7 @@
       </p:grpSpPr>
       <p:sp>
         <p:nvSpPr>
-          <p:cNvPr id="191" name="uses"/>
+          <p:cNvPr id="193" name="uses"/>
           <p:cNvSpPr txBox="1">
             <a:spLocks noGrp="1"/>
           </p:cNvSpPr>
@@ -6235,7 +7996,7 @@
       </p:sp>
       <p:sp>
         <p:nvSpPr>
-          <p:cNvPr id="192" name="Where is it used?"/>
+          <p:cNvPr id="194" name="Where is it used?"/>
           <p:cNvSpPr txBox="1">
             <a:spLocks noGrp="1"/>
           </p:cNvSpPr>
@@ -6267,7 +8028,7 @@
       </p:sp>
       <p:sp>
         <p:nvSpPr>
-          <p:cNvPr id="193" name="Machine Learning…"/>
+          <p:cNvPr id="195" name="Machine Learning…"/>
           <p:cNvSpPr txBox="1">
             <a:spLocks noGrp="1"/>
           </p:cNvSpPr>
@@ -6338,7 +8099,7 @@
       </p:grpSpPr>
       <p:sp>
         <p:nvSpPr>
-          <p:cNvPr id="195" name="uses"/>
+          <p:cNvPr id="199" name="uses"/>
           <p:cNvSpPr txBox="1">
             <a:spLocks noGrp="1"/>
           </p:cNvSpPr>
@@ -6381,7 +8142,7 @@
       </p:sp>
       <p:sp>
         <p:nvSpPr>
-          <p:cNvPr id="196" name="Who is using it?"/>
+          <p:cNvPr id="200" name="Who is using it?"/>
           <p:cNvSpPr txBox="1">
             <a:spLocks noGrp="1"/>
           </p:cNvSpPr>
@@ -6413,7 +8174,7 @@
       </p:sp>
       <p:pic>
         <p:nvPicPr>
-          <p:cNvPr id="197" name="open-graph-default.png" descr="open-graph-default.png"/>
+          <p:cNvPr id="201" name="open-graph-default.png" descr="open-graph-default.png"/>
           <p:cNvPicPr>
             <a:picLocks noChangeAspect="1"/>
           </p:cNvPicPr>
@@ -6427,8 +8188,8 @@
         </p:blipFill>
         <p:spPr>
           <a:xfrm>
-            <a:off x="5128129" y="6287161"/>
-            <a:ext cx="2868431" cy="1505927"/>
+            <a:off x="5128130" y="6287161"/>
+            <a:ext cx="2868430" cy="1505927"/>
           </a:xfrm>
           <a:prstGeom prst="rect">
             <a:avLst/>
@@ -6440,7 +8201,7 @@
       </p:pic>
       <p:pic>
         <p:nvPicPr>
-          <p:cNvPr id="198" name="best_amazon_deals_thumb800.jpg" descr="best_amazon_deals_thumb800.jpg"/>
+          <p:cNvPr id="202" name="best_amazon_deals_thumb800.jpg" descr="best_amazon_deals_thumb800.jpg"/>
           <p:cNvPicPr>
             <a:picLocks noChangeAspect="1"/>
           </p:cNvPicPr>
@@ -6455,7 +8216,7 @@
         <p:spPr>
           <a:xfrm>
             <a:off x="7250823" y="4026310"/>
-            <a:ext cx="3946759" cy="2220053"/>
+            <a:ext cx="3946759" cy="2220052"/>
           </a:xfrm>
           <a:prstGeom prst="rect">
             <a:avLst/>
@@ -6467,7 +8228,7 @@
       </p:pic>
       <p:pic>
         <p:nvPicPr>
-          <p:cNvPr id="199" name="download.png" descr="download.png"/>
+          <p:cNvPr id="203" name="download.png" descr="download.png"/>
           <p:cNvPicPr>
             <a:picLocks noChangeAspect="1"/>
           </p:cNvPicPr>
@@ -6494,7 +8255,7 @@
       </p:pic>
       <p:pic>
         <p:nvPicPr>
-          <p:cNvPr id="200" name="google2.0.0.jpg" descr="google2.0.0.jpg"/>
+          <p:cNvPr id="204" name="google2.0.0.jpg" descr="google2.0.0.jpg"/>
           <p:cNvPicPr>
             <a:picLocks noChangeAspect="1"/>
           </p:cNvPicPr>
@@ -6508,8 +8269,8 @@
         </p:blipFill>
         <p:spPr>
           <a:xfrm>
-            <a:off x="5193251" y="2684096"/>
-            <a:ext cx="2738186" cy="1825458"/>
+            <a:off x="5193252" y="2684096"/>
+            <a:ext cx="2738185" cy="1825458"/>
           </a:xfrm>
           <a:prstGeom prst="rect">
             <a:avLst/>
@@ -6547,7 +8308,7 @@
       </p:grpSpPr>
       <p:sp>
         <p:nvSpPr>
-          <p:cNvPr id="204" name="THE BASICS"/>
+          <p:cNvPr id="208" name="THE BASICS"/>
           <p:cNvSpPr txBox="1">
             <a:spLocks noGrp="1"/>
           </p:cNvSpPr>
@@ -6572,7 +8333,7 @@
       </p:sp>
       <p:sp>
         <p:nvSpPr>
-          <p:cNvPr id="205" name="output/functions"/>
+          <p:cNvPr id="209" name="output/functions"/>
           <p:cNvSpPr txBox="1">
             <a:spLocks noGrp="1"/>
           </p:cNvSpPr>
@@ -6604,7 +8365,7 @@
       </p:sp>
       <p:sp>
         <p:nvSpPr>
-          <p:cNvPr id="206" name="print(‘Hello Python!’)…"/>
+          <p:cNvPr id="210" name="print(‘Hello Python!’)…"/>
           <p:cNvSpPr txBox="1">
             <a:spLocks noGrp="1"/>
           </p:cNvSpPr>
@@ -6614,7 +8375,7 @@
         </p:nvSpPr>
         <p:spPr>
           <a:xfrm>
-            <a:off x="155002" y="2458636"/>
+            <a:off x="52782" y="2458636"/>
             <a:ext cx="5839398" cy="1420028"/>
           </a:xfrm>
           <a:prstGeom prst="rect">
@@ -6656,14 +8417,14 @@
       </p:sp>
       <p:sp>
         <p:nvSpPr>
-          <p:cNvPr id="207" name="VARIABLES"/>
+          <p:cNvPr id="211" name="VARIABLES"/>
           <p:cNvSpPr txBox="1"/>
           <p:nvPr/>
         </p:nvSpPr>
         <p:spPr>
           <a:xfrm>
-            <a:off x="7505079" y="1476072"/>
-            <a:ext cx="2662679" cy="723901"/>
+            <a:off x="7794949" y="1429619"/>
+            <a:ext cx="2662680" cy="723901"/>
           </a:xfrm>
           <a:prstGeom prst="rect">
             <a:avLst/>
@@ -6702,7 +8463,6 @@
           </a:lstStyle>
           <a:p>
             <a:r>
-              <a:rPr dirty="0"/>
               <a:t>VARIABLES</a:t>
             </a:r>
           </a:p>
@@ -6710,14 +8470,14 @@
       </p:sp>
       <p:sp>
         <p:nvSpPr>
-          <p:cNvPr id="208" name="a = 3…"/>
+          <p:cNvPr id="212" name="a = 3…"/>
           <p:cNvSpPr txBox="1"/>
           <p:nvPr/>
         </p:nvSpPr>
         <p:spPr>
           <a:xfrm>
-            <a:off x="7081452" y="2321228"/>
-            <a:ext cx="5397970" cy="1420028"/>
+            <a:off x="7490089" y="2367681"/>
+            <a:ext cx="2032568" cy="1420028"/>
           </a:xfrm>
           <a:prstGeom prst="rect">
             <a:avLst/>
@@ -6748,6 +8508,7 @@
               <a:defRPr sz="2890"/>
             </a:pPr>
             <a:r>
+              <a:rPr dirty="0"/>
               <a:t>a = 3</a:t>
             </a:r>
           </a:p>
@@ -6763,6 +8524,7 @@
               <a:defRPr sz="2890"/>
             </a:pPr>
             <a:r>
+              <a:rPr dirty="0"/>
               <a:t>b = ‘3’</a:t>
             </a:r>
           </a:p>
@@ -6770,14 +8532,14 @@
       </p:sp>
       <p:sp>
         <p:nvSpPr>
-          <p:cNvPr id="209" name="Data types"/>
+          <p:cNvPr id="213" name="Data types"/>
           <p:cNvSpPr txBox="1"/>
           <p:nvPr/>
         </p:nvSpPr>
         <p:spPr>
           <a:xfrm>
             <a:off x="394502" y="4514850"/>
-            <a:ext cx="2497411" cy="723901"/>
+            <a:ext cx="2497411" cy="723900"/>
           </a:xfrm>
           <a:prstGeom prst="rect">
             <a:avLst/>
@@ -6823,7 +8585,7 @@
       </p:sp>
       <p:sp>
         <p:nvSpPr>
-          <p:cNvPr id="210" name="Integer…"/>
+          <p:cNvPr id="214" name="Integer…"/>
           <p:cNvSpPr txBox="1"/>
           <p:nvPr/>
         </p:nvSpPr>
@@ -6921,14 +8683,14 @@
       </p:sp>
       <p:sp>
         <p:nvSpPr>
-          <p:cNvPr id="211" name="ARITHMETIC OPERATIONS"/>
+          <p:cNvPr id="215" name="ARITHMETIC OPERATIONS"/>
           <p:cNvSpPr txBox="1"/>
           <p:nvPr/>
         </p:nvSpPr>
         <p:spPr>
           <a:xfrm>
-            <a:off x="7505078" y="4514850"/>
-            <a:ext cx="5105219" cy="723901"/>
+            <a:off x="7794949" y="4487680"/>
+            <a:ext cx="5105220" cy="746577"/>
           </a:xfrm>
           <a:prstGeom prst="rect">
             <a:avLst/>
@@ -6975,13 +8737,13 @@
       </p:sp>
       <p:sp>
         <p:nvSpPr>
-          <p:cNvPr id="212" name="+…"/>
+          <p:cNvPr id="216" name="+…"/>
           <p:cNvSpPr txBox="1"/>
           <p:nvPr/>
         </p:nvSpPr>
         <p:spPr>
           <a:xfrm>
-            <a:off x="7505078" y="5261427"/>
+            <a:off x="7877583" y="5261427"/>
             <a:ext cx="2497411" cy="3798106"/>
           </a:xfrm>
           <a:prstGeom prst="rect">
